--- a/JVM.pptx
+++ b/JVM.pptx
@@ -5,7 +5,7 @@
     <p:sldMasterId id="2147483648" r:id="rId1"/>
   </p:sldMasterIdLst>
   <p:notesMasterIdLst>
-    <p:notesMasterId r:id="rId10"/>
+    <p:notesMasterId r:id="rId9"/>
   </p:notesMasterIdLst>
   <p:sldIdLst>
     <p:sldId id="259" r:id="rId2"/>
@@ -15,7 +15,6 @@
     <p:sldId id="262" r:id="rId6"/>
     <p:sldId id="263" r:id="rId7"/>
     <p:sldId id="264" r:id="rId8"/>
-    <p:sldId id="265" r:id="rId9"/>
   </p:sldIdLst>
   <p:sldSz cx="12192000" cy="6858000"/>
   <p:notesSz cx="6858000" cy="9144000"/>
@@ -11585,107 +11584,6 @@
 </p:sld>
 </file>
 
-<file path=ppt/slides/slide8.xml><?xml version="1.0" encoding="utf-8"?>
-<p:sld xmlns:a="http://schemas.openxmlformats.org/drawingml/2006/main" xmlns:r="http://schemas.openxmlformats.org/officeDocument/2006/relationships" xmlns:p="http://schemas.openxmlformats.org/presentationml/2006/main">
-  <p:cSld>
-    <p:spTree>
-      <p:nvGrpSpPr>
-        <p:cNvPr id="1" name=""/>
-        <p:cNvGrpSpPr/>
-        <p:nvPr/>
-      </p:nvGrpSpPr>
-      <p:grpSpPr>
-        <a:xfrm>
-          <a:off x="0" y="0"/>
-          <a:ext cx="0" cy="0"/>
-          <a:chOff x="0" y="0"/>
-          <a:chExt cx="0" cy="0"/>
-        </a:xfrm>
-      </p:grpSpPr>
-      <p:sp>
-        <p:nvSpPr>
-          <p:cNvPr id="4" name="文本框 3">
-            <a:extLst>
-              <a:ext uri="{FF2B5EF4-FFF2-40B4-BE49-F238E27FC236}">
-                <a16:creationId xmlns:a16="http://schemas.microsoft.com/office/drawing/2014/main" id="{DD9491FA-7752-BD4D-BF04-BD657430A239}"/>
-              </a:ext>
-            </a:extLst>
-          </p:cNvPr>
-          <p:cNvSpPr txBox="1"/>
-          <p:nvPr/>
-        </p:nvSpPr>
-        <p:spPr>
-          <a:xfrm>
-            <a:off x="336330" y="426694"/>
-            <a:ext cx="11582400" cy="369332"/>
-          </a:xfrm>
-          <a:prstGeom prst="rect">
-            <a:avLst/>
-          </a:prstGeom>
-          <a:noFill/>
-        </p:spPr>
-        <p:txBody>
-          <a:bodyPr wrap="square" rtlCol="0">
-            <a:spAutoFit/>
-          </a:bodyPr>
-          <a:lstStyle/>
-          <a:p>
-            <a:r>
-              <a:rPr kumimoji="1" lang="zh-CN" altLang="en-US" b="1" dirty="0"/>
-              <a:t>性能调优</a:t>
-            </a:r>
-          </a:p>
-        </p:txBody>
-      </p:sp>
-      <p:sp>
-        <p:nvSpPr>
-          <p:cNvPr id="13" name="文本框 12">
-            <a:extLst>
-              <a:ext uri="{FF2B5EF4-FFF2-40B4-BE49-F238E27FC236}">
-                <a16:creationId xmlns:a16="http://schemas.microsoft.com/office/drawing/2014/main" id="{0EAB5B51-0EC1-DC43-AF25-989C935139E5}"/>
-              </a:ext>
-            </a:extLst>
-          </p:cNvPr>
-          <p:cNvSpPr txBox="1"/>
-          <p:nvPr/>
-        </p:nvSpPr>
-        <p:spPr>
-          <a:xfrm>
-            <a:off x="336330" y="796026"/>
-            <a:ext cx="11582399" cy="369332"/>
-          </a:xfrm>
-          <a:prstGeom prst="rect">
-            <a:avLst/>
-          </a:prstGeom>
-          <a:noFill/>
-        </p:spPr>
-        <p:txBody>
-          <a:bodyPr wrap="square" rtlCol="0">
-            <a:spAutoFit/>
-          </a:bodyPr>
-          <a:lstStyle/>
-          <a:p>
-            <a:r>
-              <a:rPr kumimoji="1" lang="en-US" altLang="zh-CN" dirty="0"/>
-              <a:t>—————————————————————————————————————————————————</a:t>
-            </a:r>
-            <a:endParaRPr kumimoji="1" lang="zh-CN" altLang="en-US" dirty="0"/>
-          </a:p>
-        </p:txBody>
-      </p:sp>
-    </p:spTree>
-    <p:extLst>
-      <p:ext uri="{BB962C8B-B14F-4D97-AF65-F5344CB8AC3E}">
-        <p14:creationId xmlns:p14="http://schemas.microsoft.com/office/powerpoint/2010/main" val="3373191361"/>
-      </p:ext>
-    </p:extLst>
-  </p:cSld>
-  <p:clrMapOvr>
-    <a:masterClrMapping/>
-  </p:clrMapOvr>
-</p:sld>
-</file>
-
 <file path=ppt/theme/theme1.xml><?xml version="1.0" encoding="utf-8"?>
 <a:theme xmlns:a="http://schemas.openxmlformats.org/drawingml/2006/main" name="Office 主题​​">
   <a:themeElements>
